--- a/Documents/Reports/Slide scrum.pptx
+++ b/Documents/Reports/Slide scrum.pptx
@@ -8,13 +8,11 @@
     <p:sldId id="256" r:id="rId2"/>
     <p:sldId id="258" r:id="rId3"/>
     <p:sldId id="257" r:id="rId4"/>
-    <p:sldId id="262" r:id="rId5"/>
-    <p:sldId id="261" r:id="rId6"/>
-    <p:sldId id="264" r:id="rId7"/>
-    <p:sldId id="265" r:id="rId8"/>
-    <p:sldId id="266" r:id="rId9"/>
-    <p:sldId id="267" r:id="rId10"/>
-    <p:sldId id="263" r:id="rId11"/>
+    <p:sldId id="269" r:id="rId5"/>
+    <p:sldId id="266" r:id="rId6"/>
+    <p:sldId id="268" r:id="rId7"/>
+    <p:sldId id="267" r:id="rId8"/>
+    <p:sldId id="263" r:id="rId9"/>
   </p:sldIdLst>
   <p:sldSz cx="9144000" cy="6858000" type="screen4x3"/>
   <p:notesSz cx="6858000" cy="9144000"/>
@@ -305,7 +303,7 @@
             <a:fld id="{1D8BD707-D9CF-40AE-B4C6-C98DA3205C09}" type="datetimeFigureOut">
               <a:rPr lang="en-US" smtClean="0"/>
               <a:pPr/>
-              <a:t>3/4/2014</a:t>
+              <a:t>3/10/2014</a:t>
             </a:fld>
             <a:endParaRPr lang="en-US"/>
           </a:p>
@@ -507,7 +505,7 @@
             <a:fld id="{1D8BD707-D9CF-40AE-B4C6-C98DA3205C09}" type="datetimeFigureOut">
               <a:rPr lang="en-US" smtClean="0"/>
               <a:pPr/>
-              <a:t>3/4/2014</a:t>
+              <a:t>3/10/2014</a:t>
             </a:fld>
             <a:endParaRPr lang="en-US"/>
           </a:p>
@@ -684,7 +682,7 @@
             <a:fld id="{1D8BD707-D9CF-40AE-B4C6-C98DA3205C09}" type="datetimeFigureOut">
               <a:rPr lang="en-US" smtClean="0"/>
               <a:pPr/>
-              <a:t>3/4/2014</a:t>
+              <a:t>3/10/2014</a:t>
             </a:fld>
             <a:endParaRPr lang="en-US"/>
           </a:p>
@@ -851,7 +849,7 @@
             <a:fld id="{1D8BD707-D9CF-40AE-B4C6-C98DA3205C09}" type="datetimeFigureOut">
               <a:rPr lang="en-US" smtClean="0"/>
               <a:pPr/>
-              <a:t>3/4/2014</a:t>
+              <a:t>3/10/2014</a:t>
             </a:fld>
             <a:endParaRPr lang="en-US"/>
           </a:p>
@@ -1101,7 +1099,7 @@
             <a:fld id="{1D8BD707-D9CF-40AE-B4C6-C98DA3205C09}" type="datetimeFigureOut">
               <a:rPr lang="en-US" smtClean="0"/>
               <a:pPr/>
-              <a:t>3/4/2014</a:t>
+              <a:t>3/10/2014</a:t>
             </a:fld>
             <a:endParaRPr lang="en-US"/>
           </a:p>
@@ -1421,7 +1419,7 @@
             <a:fld id="{1D8BD707-D9CF-40AE-B4C6-C98DA3205C09}" type="datetimeFigureOut">
               <a:rPr lang="en-US" smtClean="0"/>
               <a:pPr/>
-              <a:t>3/4/2014</a:t>
+              <a:t>3/10/2014</a:t>
             </a:fld>
             <a:endParaRPr lang="en-US"/>
           </a:p>
@@ -1889,7 +1887,7 @@
             <a:fld id="{1D8BD707-D9CF-40AE-B4C6-C98DA3205C09}" type="datetimeFigureOut">
               <a:rPr lang="en-US" smtClean="0"/>
               <a:pPr/>
-              <a:t>3/4/2014</a:t>
+              <a:t>3/10/2014</a:t>
             </a:fld>
             <a:endParaRPr lang="en-US"/>
           </a:p>
@@ -2039,7 +2037,7 @@
             <a:fld id="{1D8BD707-D9CF-40AE-B4C6-C98DA3205C09}" type="datetimeFigureOut">
               <a:rPr lang="en-US" smtClean="0"/>
               <a:pPr/>
-              <a:t>3/4/2014</a:t>
+              <a:t>3/10/2014</a:t>
             </a:fld>
             <a:endParaRPr lang="en-US"/>
           </a:p>
@@ -2131,7 +2129,7 @@
             <a:fld id="{1D8BD707-D9CF-40AE-B4C6-C98DA3205C09}" type="datetimeFigureOut">
               <a:rPr lang="en-US" smtClean="0"/>
               <a:pPr/>
-              <a:t>3/4/2014</a:t>
+              <a:t>3/10/2014</a:t>
             </a:fld>
             <a:endParaRPr lang="en-US"/>
           </a:p>
@@ -2407,7 +2405,7 @@
             <a:fld id="{1D8BD707-D9CF-40AE-B4C6-C98DA3205C09}" type="datetimeFigureOut">
               <a:rPr lang="en-US" smtClean="0"/>
               <a:pPr/>
-              <a:t>3/4/2014</a:t>
+              <a:t>3/10/2014</a:t>
             </a:fld>
             <a:endParaRPr lang="en-US"/>
           </a:p>
@@ -2714,7 +2712,7 @@
             <a:fld id="{1D8BD707-D9CF-40AE-B4C6-C98DA3205C09}" type="datetimeFigureOut">
               <a:rPr lang="en-US" smtClean="0"/>
               <a:pPr/>
-              <a:t>3/4/2014</a:t>
+              <a:t>3/10/2014</a:t>
             </a:fld>
             <a:endParaRPr lang="en-US"/>
           </a:p>
@@ -3014,7 +3012,7 @@
             <a:fld id="{1D8BD707-D9CF-40AE-B4C6-C98DA3205C09}" type="datetimeFigureOut">
               <a:rPr lang="en-US" smtClean="0"/>
               <a:pPr/>
-              <a:t>3/4/2014</a:t>
+              <a:t>3/10/2014</a:t>
             </a:fld>
             <a:endParaRPr lang="en-US"/>
           </a:p>
@@ -3467,91 +3465,6 @@
 </p:sld>
 </file>
 
-<file path=ppt/slides/slide10.xml><?xml version="1.0" encoding="utf-8"?>
-<p:sld xmlns:a="http://schemas.openxmlformats.org/drawingml/2006/main" xmlns:r="http://schemas.openxmlformats.org/officeDocument/2006/relationships" xmlns:p="http://schemas.openxmlformats.org/presentationml/2006/main">
-  <p:cSld>
-    <p:spTree>
-      <p:nvGrpSpPr>
-        <p:cNvPr id="1" name=""/>
-        <p:cNvGrpSpPr/>
-        <p:nvPr/>
-      </p:nvGrpSpPr>
-      <p:grpSpPr>
-        <a:xfrm>
-          <a:off x="0" y="0"/>
-          <a:ext cx="0" cy="0"/>
-          <a:chOff x="0" y="0"/>
-          <a:chExt cx="0" cy="0"/>
-        </a:xfrm>
-      </p:grpSpPr>
-      <p:sp>
-        <p:nvSpPr>
-          <p:cNvPr id="2" name="Title 1"/>
-          <p:cNvSpPr>
-            <a:spLocks noGrp="1"/>
-          </p:cNvSpPr>
-          <p:nvPr>
-            <p:ph type="title"/>
-          </p:nvPr>
-        </p:nvSpPr>
-        <p:spPr/>
-        <p:txBody>
-          <a:bodyPr/>
-          <a:lstStyle/>
-          <a:p>
-            <a:endParaRPr lang="en-US"/>
-          </a:p>
-        </p:txBody>
-      </p:sp>
-      <p:sp>
-        <p:nvSpPr>
-          <p:cNvPr id="3" name="Content Placeholder 2"/>
-          <p:cNvSpPr>
-            <a:spLocks noGrp="1"/>
-          </p:cNvSpPr>
-          <p:nvPr>
-            <p:ph idx="1"/>
-          </p:nvPr>
-        </p:nvSpPr>
-        <p:spPr/>
-        <p:txBody>
-          <a:bodyPr/>
-          <a:lstStyle/>
-          <a:p>
-            <a:r>
-              <a:rPr lang="en-US" smtClean="0"/>
-              <a:t>Tích hợp cho khách hàng tham gia vào Kiểm thử chấp nhận trong Sơ kết Sprint ???</a:t>
-            </a:r>
-          </a:p>
-          <a:p>
-            <a:r>
-              <a:rPr lang="en-US" smtClean="0"/>
-              <a:t>Cải tiến Scrum???</a:t>
-            </a:r>
-            <a:endParaRPr lang="en-US"/>
-          </a:p>
-        </p:txBody>
-      </p:sp>
-    </p:spTree>
-    <p:extLst>
-      <p:ext uri="{BB962C8B-B14F-4D97-AF65-F5344CB8AC3E}">
-        <p14:creationId xmlns:p14="http://schemas.microsoft.com/office/powerpoint/2010/main" val="1222991655"/>
-      </p:ext>
-    </p:extLst>
-  </p:cSld>
-  <p:clrMapOvr>
-    <a:masterClrMapping/>
-  </p:clrMapOvr>
-  <p:timing>
-    <p:tnLst>
-      <p:par>
-        <p:cTn id="1" dur="indefinite" restart="never" nodeType="tmRoot"/>
-      </p:par>
-    </p:tnLst>
-  </p:timing>
-</p:sld>
-</file>
-
 <file path=ppt/slides/slide2.xml><?xml version="1.0" encoding="utf-8"?>
 <p:sld xmlns:a="http://schemas.openxmlformats.org/drawingml/2006/main" xmlns:r="http://schemas.openxmlformats.org/officeDocument/2006/relationships" xmlns:p="http://schemas.openxmlformats.org/presentationml/2006/main">
   <p:cSld>
@@ -3864,7 +3777,7 @@
       </p:sp>
       <p:pic>
         <p:nvPicPr>
-          <p:cNvPr id="3074" name="Picture 2"/>
+          <p:cNvPr id="1026" name="Picture 2"/>
           <p:cNvPicPr>
             <a:picLocks noChangeAspect="1" noChangeArrowheads="1"/>
           </p:cNvPicPr>
@@ -3885,8 +3798,8 @@
         </p:blipFill>
         <p:spPr bwMode="auto">
           <a:xfrm>
-            <a:off x="685800" y="1371600"/>
-            <a:ext cx="7772400" cy="5210792"/>
+            <a:off x="685800" y="1524000"/>
+            <a:ext cx="8077200" cy="5140801"/>
           </a:xfrm>
           <a:prstGeom prst="rect">
             <a:avLst/>
@@ -3919,140 +3832,7 @@
     </p:spTree>
     <p:extLst>
       <p:ext uri="{BB962C8B-B14F-4D97-AF65-F5344CB8AC3E}">
-        <p14:creationId xmlns:p14="http://schemas.microsoft.com/office/powerpoint/2010/main" val="1670675844"/>
-      </p:ext>
-    </p:extLst>
-  </p:cSld>
-  <p:clrMapOvr>
-    <a:masterClrMapping/>
-  </p:clrMapOvr>
-  <p:timing>
-    <p:tnLst>
-      <p:par>
-        <p:cTn id="1" dur="indefinite" restart="never" nodeType="tmRoot"/>
-      </p:par>
-    </p:tnLst>
-  </p:timing>
-</p:sld>
-</file>
-
-<file path=ppt/slides/slide5.xml><?xml version="1.0" encoding="utf-8"?>
-<p:sld xmlns:a="http://schemas.openxmlformats.org/drawingml/2006/main" xmlns:r="http://schemas.openxmlformats.org/officeDocument/2006/relationships" xmlns:p="http://schemas.openxmlformats.org/presentationml/2006/main">
-  <p:cSld>
-    <p:spTree>
-      <p:nvGrpSpPr>
-        <p:cNvPr id="1" name=""/>
-        <p:cNvGrpSpPr/>
-        <p:nvPr/>
-      </p:nvGrpSpPr>
-      <p:grpSpPr>
-        <a:xfrm>
-          <a:off x="0" y="0"/>
-          <a:ext cx="0" cy="0"/>
-          <a:chOff x="0" y="0"/>
-          <a:chExt cx="0" cy="0"/>
-        </a:xfrm>
-      </p:grpSpPr>
-      <p:sp>
-        <p:nvSpPr>
-          <p:cNvPr id="2" name="Title 1"/>
-          <p:cNvSpPr>
-            <a:spLocks noGrp="1"/>
-          </p:cNvSpPr>
-          <p:nvPr>
-            <p:ph type="title"/>
-          </p:nvPr>
-        </p:nvSpPr>
-        <p:spPr/>
-        <p:txBody>
-          <a:bodyPr/>
-          <a:lstStyle/>
-          <a:p>
-            <a:r>
-              <a:rPr lang="en-US" smtClean="0"/>
-              <a:t>Chi tiết product backlog</a:t>
-            </a:r>
-            <a:endParaRPr lang="en-US"/>
-          </a:p>
-        </p:txBody>
-      </p:sp>
-      <p:sp>
-        <p:nvSpPr>
-          <p:cNvPr id="3" name="Content Placeholder 2"/>
-          <p:cNvSpPr>
-            <a:spLocks noGrp="1"/>
-          </p:cNvSpPr>
-          <p:nvPr>
-            <p:ph idx="1"/>
-          </p:nvPr>
-        </p:nvSpPr>
-        <p:spPr/>
-        <p:txBody>
-          <a:bodyPr/>
-          <a:lstStyle/>
-          <a:p>
-            <a:endParaRPr lang="en-US"/>
-          </a:p>
-        </p:txBody>
-      </p:sp>
-      <p:pic>
-        <p:nvPicPr>
-          <p:cNvPr id="4098" name="Picture 2"/>
-          <p:cNvPicPr>
-            <a:picLocks noChangeAspect="1" noChangeArrowheads="1"/>
-          </p:cNvPicPr>
-          <p:nvPr/>
-        </p:nvPicPr>
-        <p:blipFill>
-          <a:blip r:embed="rId2">
-            <a:extLst>
-              <a:ext uri="{28A0092B-C50C-407E-A947-70E740481C1C}">
-                <a14:useLocalDpi xmlns:a14="http://schemas.microsoft.com/office/drawing/2010/main" val="0"/>
-              </a:ext>
-            </a:extLst>
-          </a:blip>
-          <a:srcRect/>
-          <a:stretch>
-            <a:fillRect/>
-          </a:stretch>
-        </p:blipFill>
-        <p:spPr bwMode="auto">
-          <a:xfrm>
-            <a:off x="1219200" y="1447800"/>
-            <a:ext cx="7143750" cy="4914900"/>
-          </a:xfrm>
-          <a:prstGeom prst="rect">
-            <a:avLst/>
-          </a:prstGeom>
-          <a:noFill/>
-          <a:ln>
-            <a:noFill/>
-          </a:ln>
-          <a:extLst>
-            <a:ext uri="{909E8E84-426E-40DD-AFC4-6F175D3DCCD1}">
-              <a14:hiddenFill xmlns:a14="http://schemas.microsoft.com/office/drawing/2010/main">
-                <a:solidFill>
-                  <a:schemeClr val="accent1"/>
-                </a:solidFill>
-              </a14:hiddenFill>
-            </a:ext>
-            <a:ext uri="{91240B29-F687-4F45-9708-019B960494DF}">
-              <a14:hiddenLine xmlns:a14="http://schemas.microsoft.com/office/drawing/2010/main" w="9525">
-                <a:solidFill>
-                  <a:schemeClr val="tx1"/>
-                </a:solidFill>
-                <a:miter lim="800000"/>
-                <a:headEnd/>
-                <a:tailEnd/>
-              </a14:hiddenLine>
-            </a:ext>
-          </a:extLst>
-        </p:spPr>
-      </p:pic>
-    </p:spTree>
-    <p:extLst>
-      <p:ext uri="{BB962C8B-B14F-4D97-AF65-F5344CB8AC3E}">
-        <p14:creationId xmlns:p14="http://schemas.microsoft.com/office/powerpoint/2010/main" val="1094489599"/>
+        <p14:creationId xmlns:p14="http://schemas.microsoft.com/office/powerpoint/2010/main" val="3006263113"/>
       </p:ext>
     </p:extLst>
   </p:cSld>
@@ -4062,259 +3842,7 @@
 </p:sld>
 </file>
 
-<file path=ppt/slides/slide6.xml><?xml version="1.0" encoding="utf-8"?>
-<p:sld xmlns:a="http://schemas.openxmlformats.org/drawingml/2006/main" xmlns:r="http://schemas.openxmlformats.org/officeDocument/2006/relationships" xmlns:p="http://schemas.openxmlformats.org/presentationml/2006/main">
-  <p:cSld>
-    <p:spTree>
-      <p:nvGrpSpPr>
-        <p:cNvPr id="1" name=""/>
-        <p:cNvGrpSpPr/>
-        <p:nvPr/>
-      </p:nvGrpSpPr>
-      <p:grpSpPr>
-        <a:xfrm>
-          <a:off x="0" y="0"/>
-          <a:ext cx="0" cy="0"/>
-          <a:chOff x="0" y="0"/>
-          <a:chExt cx="0" cy="0"/>
-        </a:xfrm>
-      </p:grpSpPr>
-      <p:sp>
-        <p:nvSpPr>
-          <p:cNvPr id="2" name="Title 1"/>
-          <p:cNvSpPr>
-            <a:spLocks noGrp="1"/>
-          </p:cNvSpPr>
-          <p:nvPr>
-            <p:ph type="title"/>
-          </p:nvPr>
-        </p:nvSpPr>
-        <p:spPr/>
-        <p:txBody>
-          <a:bodyPr/>
-          <a:lstStyle/>
-          <a:p>
-            <a:r>
-              <a:rPr lang="en-US" smtClean="0"/>
-              <a:t>Làm mịn Product backlog</a:t>
-            </a:r>
-            <a:endParaRPr lang="en-US"/>
-          </a:p>
-        </p:txBody>
-      </p:sp>
-      <p:sp>
-        <p:nvSpPr>
-          <p:cNvPr id="3" name="Content Placeholder 2"/>
-          <p:cNvSpPr>
-            <a:spLocks noGrp="1"/>
-          </p:cNvSpPr>
-          <p:nvPr>
-            <p:ph idx="1"/>
-          </p:nvPr>
-        </p:nvSpPr>
-        <p:spPr/>
-        <p:txBody>
-          <a:bodyPr/>
-          <a:lstStyle/>
-          <a:p>
-            <a:endParaRPr lang="en-US"/>
-          </a:p>
-        </p:txBody>
-      </p:sp>
-      <p:pic>
-        <p:nvPicPr>
-          <p:cNvPr id="5122" name="Picture 2"/>
-          <p:cNvPicPr>
-            <a:picLocks noChangeAspect="1" noChangeArrowheads="1"/>
-          </p:cNvPicPr>
-          <p:nvPr/>
-        </p:nvPicPr>
-        <p:blipFill>
-          <a:blip r:embed="rId2">
-            <a:extLst>
-              <a:ext uri="{28A0092B-C50C-407E-A947-70E740481C1C}">
-                <a14:useLocalDpi xmlns:a14="http://schemas.microsoft.com/office/drawing/2010/main" val="0"/>
-              </a:ext>
-            </a:extLst>
-          </a:blip>
-          <a:srcRect/>
-          <a:stretch>
-            <a:fillRect/>
-          </a:stretch>
-        </p:blipFill>
-        <p:spPr bwMode="auto">
-          <a:xfrm>
-            <a:off x="3124200" y="2057400"/>
-            <a:ext cx="2638425" cy="3867150"/>
-          </a:xfrm>
-          <a:prstGeom prst="rect">
-            <a:avLst/>
-          </a:prstGeom>
-          <a:noFill/>
-          <a:ln>
-            <a:noFill/>
-          </a:ln>
-          <a:extLst>
-            <a:ext uri="{909E8E84-426E-40DD-AFC4-6F175D3DCCD1}">
-              <a14:hiddenFill xmlns:a14="http://schemas.microsoft.com/office/drawing/2010/main">
-                <a:solidFill>
-                  <a:schemeClr val="accent1"/>
-                </a:solidFill>
-              </a14:hiddenFill>
-            </a:ext>
-            <a:ext uri="{91240B29-F687-4F45-9708-019B960494DF}">
-              <a14:hiddenLine xmlns:a14="http://schemas.microsoft.com/office/drawing/2010/main" w="9525">
-                <a:solidFill>
-                  <a:schemeClr val="tx1"/>
-                </a:solidFill>
-                <a:miter lim="800000"/>
-                <a:headEnd/>
-                <a:tailEnd/>
-              </a14:hiddenLine>
-            </a:ext>
-          </a:extLst>
-        </p:spPr>
-      </p:pic>
-    </p:spTree>
-    <p:extLst>
-      <p:ext uri="{BB962C8B-B14F-4D97-AF65-F5344CB8AC3E}">
-        <p14:creationId xmlns:p14="http://schemas.microsoft.com/office/powerpoint/2010/main" val="1212988658"/>
-      </p:ext>
-    </p:extLst>
-  </p:cSld>
-  <p:clrMapOvr>
-    <a:masterClrMapping/>
-  </p:clrMapOvr>
-</p:sld>
-</file>
-
-<file path=ppt/slides/slide7.xml><?xml version="1.0" encoding="utf-8"?>
-<p:sld xmlns:a="http://schemas.openxmlformats.org/drawingml/2006/main" xmlns:r="http://schemas.openxmlformats.org/officeDocument/2006/relationships" xmlns:p="http://schemas.openxmlformats.org/presentationml/2006/main">
-  <p:cSld>
-    <p:spTree>
-      <p:nvGrpSpPr>
-        <p:cNvPr id="1" name=""/>
-        <p:cNvGrpSpPr/>
-        <p:nvPr/>
-      </p:nvGrpSpPr>
-      <p:grpSpPr>
-        <a:xfrm>
-          <a:off x="0" y="0"/>
-          <a:ext cx="0" cy="0"/>
-          <a:chOff x="0" y="0"/>
-          <a:chExt cx="0" cy="0"/>
-        </a:xfrm>
-      </p:grpSpPr>
-      <p:sp>
-        <p:nvSpPr>
-          <p:cNvPr id="2" name="Title 1"/>
-          <p:cNvSpPr>
-            <a:spLocks noGrp="1"/>
-          </p:cNvSpPr>
-          <p:nvPr>
-            <p:ph type="title"/>
-          </p:nvPr>
-        </p:nvSpPr>
-        <p:spPr/>
-        <p:txBody>
-          <a:bodyPr/>
-          <a:lstStyle/>
-          <a:p>
-            <a:r>
-              <a:rPr lang="en-US" smtClean="0"/>
-              <a:t>Sprint backlog</a:t>
-            </a:r>
-            <a:endParaRPr lang="en-US"/>
-          </a:p>
-        </p:txBody>
-      </p:sp>
-      <p:sp>
-        <p:nvSpPr>
-          <p:cNvPr id="3" name="Content Placeholder 2"/>
-          <p:cNvSpPr>
-            <a:spLocks noGrp="1"/>
-          </p:cNvSpPr>
-          <p:nvPr>
-            <p:ph idx="1"/>
-          </p:nvPr>
-        </p:nvSpPr>
-        <p:spPr/>
-        <p:txBody>
-          <a:bodyPr/>
-          <a:lstStyle/>
-          <a:p>
-            <a:endParaRPr lang="en-US"/>
-          </a:p>
-        </p:txBody>
-      </p:sp>
-      <p:pic>
-        <p:nvPicPr>
-          <p:cNvPr id="6146" name="Picture 2"/>
-          <p:cNvPicPr>
-            <a:picLocks noChangeAspect="1" noChangeArrowheads="1"/>
-          </p:cNvPicPr>
-          <p:nvPr/>
-        </p:nvPicPr>
-        <p:blipFill>
-          <a:blip r:embed="rId2">
-            <a:extLst>
-              <a:ext uri="{28A0092B-C50C-407E-A947-70E740481C1C}">
-                <a14:useLocalDpi xmlns:a14="http://schemas.microsoft.com/office/drawing/2010/main" val="0"/>
-              </a:ext>
-            </a:extLst>
-          </a:blip>
-          <a:srcRect/>
-          <a:stretch>
-            <a:fillRect/>
-          </a:stretch>
-        </p:blipFill>
-        <p:spPr bwMode="auto">
-          <a:xfrm>
-            <a:off x="762000" y="1981200"/>
-            <a:ext cx="7543800" cy="4224528"/>
-          </a:xfrm>
-          <a:prstGeom prst="rect">
-            <a:avLst/>
-          </a:prstGeom>
-          <a:noFill/>
-          <a:ln>
-            <a:noFill/>
-          </a:ln>
-          <a:extLst>
-            <a:ext uri="{909E8E84-426E-40DD-AFC4-6F175D3DCCD1}">
-              <a14:hiddenFill xmlns:a14="http://schemas.microsoft.com/office/drawing/2010/main">
-                <a:solidFill>
-                  <a:schemeClr val="accent1"/>
-                </a:solidFill>
-              </a14:hiddenFill>
-            </a:ext>
-            <a:ext uri="{91240B29-F687-4F45-9708-019B960494DF}">
-              <a14:hiddenLine xmlns:a14="http://schemas.microsoft.com/office/drawing/2010/main" w="9525">
-                <a:solidFill>
-                  <a:schemeClr val="tx1"/>
-                </a:solidFill>
-                <a:miter lim="800000"/>
-                <a:headEnd/>
-                <a:tailEnd/>
-              </a14:hiddenLine>
-            </a:ext>
-          </a:extLst>
-        </p:spPr>
-      </p:pic>
-    </p:spTree>
-    <p:extLst>
-      <p:ext uri="{BB962C8B-B14F-4D97-AF65-F5344CB8AC3E}">
-        <p14:creationId xmlns:p14="http://schemas.microsoft.com/office/powerpoint/2010/main" val="3257510942"/>
-      </p:ext>
-    </p:extLst>
-  </p:cSld>
-  <p:clrMapOvr>
-    <a:masterClrMapping/>
-  </p:clrMapOvr>
-</p:sld>
-</file>
-
-<file path=ppt/slides/slide8.xml><?xml version="1.0" encoding="utf-8"?>
+<file path=ppt/slides/slide5.xml><?xml version="1.0" encoding="utf-8"?>
 <p:sld xmlns:a="http://schemas.openxmlformats.org/drawingml/2006/main" xmlns:r="http://schemas.openxmlformats.org/officeDocument/2006/relationships" xmlns:p="http://schemas.openxmlformats.org/presentationml/2006/main">
   <p:cSld>
     <p:spTree>
@@ -4444,7 +3972,7 @@
 </p:sld>
 </file>
 
-<file path=ppt/slides/slide9.xml><?xml version="1.0" encoding="utf-8"?>
+<file path=ppt/slides/slide6.xml><?xml version="1.0" encoding="utf-8"?>
 <p:sld xmlns:a="http://schemas.openxmlformats.org/drawingml/2006/main" xmlns:r="http://schemas.openxmlformats.org/officeDocument/2006/relationships" xmlns:p="http://schemas.openxmlformats.org/presentationml/2006/main">
   <p:cSld>
     <p:spTree>
@@ -4476,6 +4004,135 @@
           <a:bodyPr/>
           <a:lstStyle/>
           <a:p>
+            <a:endParaRPr lang="en-US"/>
+          </a:p>
+        </p:txBody>
+      </p:sp>
+      <p:sp>
+        <p:nvSpPr>
+          <p:cNvPr id="3" name="Content Placeholder 2"/>
+          <p:cNvSpPr>
+            <a:spLocks noGrp="1"/>
+          </p:cNvSpPr>
+          <p:nvPr>
+            <p:ph idx="1"/>
+          </p:nvPr>
+        </p:nvSpPr>
+        <p:spPr/>
+        <p:txBody>
+          <a:bodyPr/>
+          <a:lstStyle/>
+          <a:p>
+            <a:endParaRPr lang="en-US"/>
+          </a:p>
+        </p:txBody>
+      </p:sp>
+      <p:pic>
+        <p:nvPicPr>
+          <p:cNvPr id="3074" name="Picture 2"/>
+          <p:cNvPicPr>
+            <a:picLocks noChangeAspect="1" noChangeArrowheads="1"/>
+          </p:cNvPicPr>
+          <p:nvPr/>
+        </p:nvPicPr>
+        <p:blipFill>
+          <a:blip r:embed="rId2">
+            <a:extLst>
+              <a:ext uri="{28A0092B-C50C-407E-A947-70E740481C1C}">
+                <a14:useLocalDpi xmlns:a14="http://schemas.microsoft.com/office/drawing/2010/main" val="0"/>
+              </a:ext>
+            </a:extLst>
+          </a:blip>
+          <a:srcRect/>
+          <a:stretch>
+            <a:fillRect/>
+          </a:stretch>
+        </p:blipFill>
+        <p:spPr bwMode="auto">
+          <a:xfrm>
+            <a:off x="685800" y="1371600"/>
+            <a:ext cx="7772400" cy="5210792"/>
+          </a:xfrm>
+          <a:prstGeom prst="rect">
+            <a:avLst/>
+          </a:prstGeom>
+          <a:noFill/>
+          <a:ln>
+            <a:noFill/>
+          </a:ln>
+          <a:extLst>
+            <a:ext uri="{909E8E84-426E-40DD-AFC4-6F175D3DCCD1}">
+              <a14:hiddenFill xmlns:a14="http://schemas.microsoft.com/office/drawing/2010/main">
+                <a:solidFill>
+                  <a:schemeClr val="accent1"/>
+                </a:solidFill>
+              </a14:hiddenFill>
+            </a:ext>
+            <a:ext uri="{91240B29-F687-4F45-9708-019B960494DF}">
+              <a14:hiddenLine xmlns:a14="http://schemas.microsoft.com/office/drawing/2010/main" w="9525">
+                <a:solidFill>
+                  <a:schemeClr val="tx1"/>
+                </a:solidFill>
+                <a:miter lim="800000"/>
+                <a:headEnd/>
+                <a:tailEnd/>
+              </a14:hiddenLine>
+            </a:ext>
+          </a:extLst>
+        </p:spPr>
+      </p:pic>
+    </p:spTree>
+    <p:extLst>
+      <p:ext uri="{BB962C8B-B14F-4D97-AF65-F5344CB8AC3E}">
+        <p14:creationId xmlns:p14="http://schemas.microsoft.com/office/powerpoint/2010/main" val="85159493"/>
+      </p:ext>
+    </p:extLst>
+  </p:cSld>
+  <p:clrMapOvr>
+    <a:masterClrMapping/>
+  </p:clrMapOvr>
+  <p:timing>
+    <p:tnLst>
+      <p:par>
+        <p:cTn id="1" dur="indefinite" restart="never" nodeType="tmRoot"/>
+      </p:par>
+    </p:tnLst>
+  </p:timing>
+</p:sld>
+</file>
+
+<file path=ppt/slides/slide7.xml><?xml version="1.0" encoding="utf-8"?>
+<p:sld xmlns:a="http://schemas.openxmlformats.org/drawingml/2006/main" xmlns:r="http://schemas.openxmlformats.org/officeDocument/2006/relationships" xmlns:p="http://schemas.openxmlformats.org/presentationml/2006/main">
+  <p:cSld>
+    <p:spTree>
+      <p:nvGrpSpPr>
+        <p:cNvPr id="1" name=""/>
+        <p:cNvGrpSpPr/>
+        <p:nvPr/>
+      </p:nvGrpSpPr>
+      <p:grpSpPr>
+        <a:xfrm>
+          <a:off x="0" y="0"/>
+          <a:ext cx="0" cy="0"/>
+          <a:chOff x="0" y="0"/>
+          <a:chExt cx="0" cy="0"/>
+        </a:xfrm>
+      </p:grpSpPr>
+      <p:sp>
+        <p:nvSpPr>
+          <p:cNvPr id="2" name="Title 1"/>
+          <p:cNvSpPr>
+            <a:spLocks noGrp="1"/>
+          </p:cNvSpPr>
+          <p:nvPr>
+            <p:ph type="title"/>
+          </p:nvPr>
+        </p:nvSpPr>
+        <p:spPr/>
+        <p:txBody>
+          <a:bodyPr/>
+          <a:lstStyle/>
+          <a:p>
             <a:r>
               <a:rPr lang="en-US"/>
               <a:t>Công cụ khác</a:t>
@@ -4500,11 +4157,7 @@
           <a:p>
             <a:r>
               <a:rPr lang="vi-VN"/>
-              <a:t>Biểu đồ Burndown cho sản phẩm </a:t>
-            </a:r>
-            <a:r>
-              <a:rPr lang="vi-VN"/>
-              <a:t>hay </a:t>
+              <a:t>Biểu đồ Burndown cho sản phẩm hay </a:t>
             </a:r>
             <a:r>
               <a:rPr lang="vi-VN" smtClean="0"/>
@@ -4556,11 +4209,7 @@
             </a:pPr>
             <a:r>
               <a:rPr lang="vi-VN"/>
-              <a:t>• Các hệ thống Phần mềm cộng tác\quản </a:t>
-            </a:r>
-            <a:r>
-              <a:rPr lang="vi-VN"/>
-              <a:t>lí </a:t>
+              <a:t>• Các hệ thống Phần mềm cộng tác\quản lí </a:t>
             </a:r>
             <a:r>
               <a:rPr lang="vi-VN" smtClean="0"/>
@@ -4576,11 +4225,7 @@
             </a:r>
             <a:r>
               <a:rPr lang="vi-VN"/>
-              <a:t>linh hoạt (Redmine, TFS, JIRA</a:t>
-            </a:r>
-            <a:r>
-              <a:rPr lang="vi-VN"/>
-              <a:t>, </a:t>
+              <a:t>linh hoạt (Redmine, TFS, JIRA, </a:t>
             </a:r>
             <a:r>
               <a:rPr lang="vi-VN" smtClean="0"/>
@@ -4604,6 +4249,91 @@
   <p:clrMapOvr>
     <a:masterClrMapping/>
   </p:clrMapOvr>
+</p:sld>
+</file>
+
+<file path=ppt/slides/slide8.xml><?xml version="1.0" encoding="utf-8"?>
+<p:sld xmlns:a="http://schemas.openxmlformats.org/drawingml/2006/main" xmlns:r="http://schemas.openxmlformats.org/officeDocument/2006/relationships" xmlns:p="http://schemas.openxmlformats.org/presentationml/2006/main">
+  <p:cSld>
+    <p:spTree>
+      <p:nvGrpSpPr>
+        <p:cNvPr id="1" name=""/>
+        <p:cNvGrpSpPr/>
+        <p:nvPr/>
+      </p:nvGrpSpPr>
+      <p:grpSpPr>
+        <a:xfrm>
+          <a:off x="0" y="0"/>
+          <a:ext cx="0" cy="0"/>
+          <a:chOff x="0" y="0"/>
+          <a:chExt cx="0" cy="0"/>
+        </a:xfrm>
+      </p:grpSpPr>
+      <p:sp>
+        <p:nvSpPr>
+          <p:cNvPr id="2" name="Title 1"/>
+          <p:cNvSpPr>
+            <a:spLocks noGrp="1"/>
+          </p:cNvSpPr>
+          <p:nvPr>
+            <p:ph type="title"/>
+          </p:nvPr>
+        </p:nvSpPr>
+        <p:spPr/>
+        <p:txBody>
+          <a:bodyPr/>
+          <a:lstStyle/>
+          <a:p>
+            <a:endParaRPr lang="en-US"/>
+          </a:p>
+        </p:txBody>
+      </p:sp>
+      <p:sp>
+        <p:nvSpPr>
+          <p:cNvPr id="3" name="Content Placeholder 2"/>
+          <p:cNvSpPr>
+            <a:spLocks noGrp="1"/>
+          </p:cNvSpPr>
+          <p:nvPr>
+            <p:ph idx="1"/>
+          </p:nvPr>
+        </p:nvSpPr>
+        <p:spPr/>
+        <p:txBody>
+          <a:bodyPr/>
+          <a:lstStyle/>
+          <a:p>
+            <a:r>
+              <a:rPr lang="en-US" smtClean="0"/>
+              <a:t>Tích hợp cho khách hàng tham gia vào Kiểm thử chấp nhận trong Sơ kết Sprint ???</a:t>
+            </a:r>
+          </a:p>
+          <a:p>
+            <a:r>
+              <a:rPr lang="en-US" smtClean="0"/>
+              <a:t>Cải tiến Scrum???</a:t>
+            </a:r>
+            <a:endParaRPr lang="en-US"/>
+          </a:p>
+        </p:txBody>
+      </p:sp>
+    </p:spTree>
+    <p:extLst>
+      <p:ext uri="{BB962C8B-B14F-4D97-AF65-F5344CB8AC3E}">
+        <p14:creationId xmlns:p14="http://schemas.microsoft.com/office/powerpoint/2010/main" val="1222991655"/>
+      </p:ext>
+    </p:extLst>
+  </p:cSld>
+  <p:clrMapOvr>
+    <a:masterClrMapping/>
+  </p:clrMapOvr>
+  <p:timing>
+    <p:tnLst>
+      <p:par>
+        <p:cTn id="1" dur="indefinite" restart="never" nodeType="tmRoot"/>
+      </p:par>
+    </p:tnLst>
+  </p:timing>
 </p:sld>
 </file>
 
